--- a/Project_1_Bitcoin Trading Strats.pptx
+++ b/Project_1_Bitcoin Trading Strats.pptx
@@ -131,7 +131,7 @@
 <file path=ppt/revisionInfo.xml><?xml version="1.0" encoding="utf-8"?>
 <p1510:revInfo xmlns:a="http://schemas.openxmlformats.org/drawingml/2006/main" xmlns:r="http://schemas.openxmlformats.org/officeDocument/2006/relationships" xmlns:p1510="http://schemas.microsoft.com/office/powerpoint/2015/10/main">
   <p1510:revLst>
-    <p1510:client id="{DCC1502E-37E5-4668-9C51-8067C61DC3C7}" v="11" dt="2022-02-10T02:20:19.661"/>
+    <p1510:client id="{DCC1502E-37E5-4668-9C51-8067C61DC3C7}" v="16" dt="2022-02-12T17:14:31.952"/>
   </p1510:revLst>
 </p1510:revInfo>
 </file>
@@ -141,12 +141,12 @@
   <pc:docChgLst>
     <pc:chgData name="Kenneth Omernick" userId="355fe66a21cb3198" providerId="LiveId" clId="{DCC1502E-37E5-4668-9C51-8067C61DC3C7}"/>
     <pc:docChg chg="undo custSel addSld delSld modSld sldOrd">
-      <pc:chgData name="Kenneth Omernick" userId="355fe66a21cb3198" providerId="LiveId" clId="{DCC1502E-37E5-4668-9C51-8067C61DC3C7}" dt="2022-02-10T02:29:02.763" v="836" actId="20577"/>
+      <pc:chgData name="Kenneth Omernick" userId="355fe66a21cb3198" providerId="LiveId" clId="{DCC1502E-37E5-4668-9C51-8067C61DC3C7}" dt="2022-02-12T17:21:40.363" v="1516" actId="20577"/>
       <pc:docMkLst>
         <pc:docMk/>
       </pc:docMkLst>
       <pc:sldChg chg="addSp delSp modSp mod">
-        <pc:chgData name="Kenneth Omernick" userId="355fe66a21cb3198" providerId="LiveId" clId="{DCC1502E-37E5-4668-9C51-8067C61DC3C7}" dt="2022-02-10T02:08:42.252" v="346" actId="207"/>
+        <pc:chgData name="Kenneth Omernick" userId="355fe66a21cb3198" providerId="LiveId" clId="{DCC1502E-37E5-4668-9C51-8067C61DC3C7}" dt="2022-02-12T17:16:21.071" v="1078" actId="20577"/>
         <pc:sldMkLst>
           <pc:docMk/>
           <pc:sldMk cId="3424314505" sldId="257"/>
@@ -168,7 +168,7 @@
           </ac:spMkLst>
         </pc:spChg>
         <pc:spChg chg="add mod">
-          <ac:chgData name="Kenneth Omernick" userId="355fe66a21cb3198" providerId="LiveId" clId="{DCC1502E-37E5-4668-9C51-8067C61DC3C7}" dt="2022-02-10T02:08:42.252" v="346" actId="207"/>
+          <ac:chgData name="Kenneth Omernick" userId="355fe66a21cb3198" providerId="LiveId" clId="{DCC1502E-37E5-4668-9C51-8067C61DC3C7}" dt="2022-02-12T17:16:21.071" v="1078" actId="20577"/>
           <ac:spMkLst>
             <pc:docMk/>
             <pc:sldMk cId="3424314505" sldId="257"/>
@@ -185,7 +185,7 @@
         </pc:graphicFrameChg>
       </pc:sldChg>
       <pc:sldChg chg="addSp delSp modSp mod">
-        <pc:chgData name="Kenneth Omernick" userId="355fe66a21cb3198" providerId="LiveId" clId="{DCC1502E-37E5-4668-9C51-8067C61DC3C7}" dt="2022-02-10T02:13:17.136" v="388" actId="1076"/>
+        <pc:chgData name="Kenneth Omernick" userId="355fe66a21cb3198" providerId="LiveId" clId="{DCC1502E-37E5-4668-9C51-8067C61DC3C7}" dt="2022-02-12T17:15:45.905" v="1035" actId="20577"/>
         <pc:sldMkLst>
           <pc:docMk/>
           <pc:sldMk cId="4128952323" sldId="258"/>
@@ -199,6 +199,14 @@
           </ac:spMkLst>
         </pc:spChg>
         <pc:spChg chg="add del mod">
+          <ac:chgData name="Kenneth Omernick" userId="355fe66a21cb3198" providerId="LiveId" clId="{DCC1502E-37E5-4668-9C51-8067C61DC3C7}" dt="2022-02-12T17:14:16.186" v="842"/>
+          <ac:spMkLst>
+            <pc:docMk/>
+            <pc:sldMk cId="4128952323" sldId="258"/>
+            <ac:spMk id="3" creationId="{55678F8A-672B-4799-A3F7-FAF866767973}"/>
+          </ac:spMkLst>
+        </pc:spChg>
+        <pc:spChg chg="add del mod">
           <ac:chgData name="Kenneth Omernick" userId="355fe66a21cb3198" providerId="LiveId" clId="{DCC1502E-37E5-4668-9C51-8067C61DC3C7}" dt="2022-02-10T02:12:12.233" v="382" actId="478"/>
           <ac:spMkLst>
             <pc:docMk/>
@@ -206,8 +214,16 @@
             <ac:spMk id="3" creationId="{AB982042-BCB9-413F-8804-AB22B28D95E9}"/>
           </ac:spMkLst>
         </pc:spChg>
+        <pc:spChg chg="add mod">
+          <ac:chgData name="Kenneth Omernick" userId="355fe66a21cb3198" providerId="LiveId" clId="{DCC1502E-37E5-4668-9C51-8067C61DC3C7}" dt="2022-02-12T17:15:45.905" v="1035" actId="20577"/>
+          <ac:spMkLst>
+            <pc:docMk/>
+            <pc:sldMk cId="4128952323" sldId="258"/>
+            <ac:spMk id="4" creationId="{E8865585-7F0C-4333-BD4B-AA5C9B8C9D99}"/>
+          </ac:spMkLst>
+        </pc:spChg>
         <pc:graphicFrameChg chg="mod">
-          <ac:chgData name="Kenneth Omernick" userId="355fe66a21cb3198" providerId="LiveId" clId="{DCC1502E-37E5-4668-9C51-8067C61DC3C7}" dt="2022-02-10T02:12:08.237" v="381" actId="1076"/>
+          <ac:chgData name="Kenneth Omernick" userId="355fe66a21cb3198" providerId="LiveId" clId="{DCC1502E-37E5-4668-9C51-8067C61DC3C7}" dt="2022-02-12T17:14:08.262" v="839" actId="1076"/>
           <ac:graphicFrameMkLst>
             <pc:docMk/>
             <pc:sldMk cId="4128952323" sldId="258"/>
@@ -216,7 +232,7 @@
         </pc:graphicFrameChg>
       </pc:sldChg>
       <pc:sldChg chg="addSp delSp modSp mod">
-        <pc:chgData name="Kenneth Omernick" userId="355fe66a21cb3198" providerId="LiveId" clId="{DCC1502E-37E5-4668-9C51-8067C61DC3C7}" dt="2022-02-10T02:18:01.788" v="585" actId="20577"/>
+        <pc:chgData name="Kenneth Omernick" userId="355fe66a21cb3198" providerId="LiveId" clId="{DCC1502E-37E5-4668-9C51-8067C61DC3C7}" dt="2022-02-12T17:17:33.799" v="1097" actId="20577"/>
         <pc:sldMkLst>
           <pc:docMk/>
           <pc:sldMk cId="2067005262" sldId="259"/>
@@ -238,7 +254,7 @@
           </ac:spMkLst>
         </pc:spChg>
         <pc:spChg chg="add mod">
-          <ac:chgData name="Kenneth Omernick" userId="355fe66a21cb3198" providerId="LiveId" clId="{DCC1502E-37E5-4668-9C51-8067C61DC3C7}" dt="2022-02-10T02:18:01.788" v="585" actId="20577"/>
+          <ac:chgData name="Kenneth Omernick" userId="355fe66a21cb3198" providerId="LiveId" clId="{DCC1502E-37E5-4668-9C51-8067C61DC3C7}" dt="2022-02-12T17:17:33.799" v="1097" actId="20577"/>
           <ac:spMkLst>
             <pc:docMk/>
             <pc:sldMk cId="2067005262" sldId="259"/>
@@ -316,7 +332,7 @@
         </pc:sldMkLst>
       </pc:sldChg>
       <pc:sldChg chg="addSp delSp modSp add mod ord">
-        <pc:chgData name="Kenneth Omernick" userId="355fe66a21cb3198" providerId="LiveId" clId="{DCC1502E-37E5-4668-9C51-8067C61DC3C7}" dt="2022-02-10T02:23:49.886" v="703" actId="20577"/>
+        <pc:chgData name="Kenneth Omernick" userId="355fe66a21cb3198" providerId="LiveId" clId="{DCC1502E-37E5-4668-9C51-8067C61DC3C7}" dt="2022-02-12T17:17:58.399" v="1113" actId="20577"/>
         <pc:sldMkLst>
           <pc:docMk/>
           <pc:sldMk cId="2712636659" sldId="261"/>
@@ -338,7 +354,7 @@
           </ac:spMkLst>
         </pc:spChg>
         <pc:spChg chg="add mod">
-          <ac:chgData name="Kenneth Omernick" userId="355fe66a21cb3198" providerId="LiveId" clId="{DCC1502E-37E5-4668-9C51-8067C61DC3C7}" dt="2022-02-10T02:23:49.886" v="703" actId="20577"/>
+          <ac:chgData name="Kenneth Omernick" userId="355fe66a21cb3198" providerId="LiveId" clId="{DCC1502E-37E5-4668-9C51-8067C61DC3C7}" dt="2022-02-12T17:17:58.399" v="1113" actId="20577"/>
           <ac:spMkLst>
             <pc:docMk/>
             <pc:sldMk cId="2712636659" sldId="261"/>
@@ -355,13 +371,13 @@
         </pc:graphicFrameChg>
       </pc:sldChg>
       <pc:sldChg chg="modSp add mod ord">
-        <pc:chgData name="Kenneth Omernick" userId="355fe66a21cb3198" providerId="LiveId" clId="{DCC1502E-37E5-4668-9C51-8067C61DC3C7}" dt="2022-02-10T02:24:40.559" v="716"/>
+        <pc:chgData name="Kenneth Omernick" userId="355fe66a21cb3198" providerId="LiveId" clId="{DCC1502E-37E5-4668-9C51-8067C61DC3C7}" dt="2022-02-12T17:21:26.192" v="1505" actId="33524"/>
         <pc:sldMkLst>
           <pc:docMk/>
           <pc:sldMk cId="4064966775" sldId="262"/>
         </pc:sldMkLst>
         <pc:spChg chg="mod">
-          <ac:chgData name="Kenneth Omernick" userId="355fe66a21cb3198" providerId="LiveId" clId="{DCC1502E-37E5-4668-9C51-8067C61DC3C7}" dt="2022-02-10T02:24:28.582" v="715" actId="20577"/>
+          <ac:chgData name="Kenneth Omernick" userId="355fe66a21cb3198" providerId="LiveId" clId="{DCC1502E-37E5-4668-9C51-8067C61DC3C7}" dt="2022-02-12T17:18:21.382" v="1121" actId="20577"/>
           <ac:spMkLst>
             <pc:docMk/>
             <pc:sldMk cId="4064966775" sldId="262"/>
@@ -369,7 +385,7 @@
           </ac:spMkLst>
         </pc:spChg>
         <pc:spChg chg="mod">
-          <ac:chgData name="Kenneth Omernick" userId="355fe66a21cb3198" providerId="LiveId" clId="{DCC1502E-37E5-4668-9C51-8067C61DC3C7}" dt="2022-02-10T02:24:40.559" v="716"/>
+          <ac:chgData name="Kenneth Omernick" userId="355fe66a21cb3198" providerId="LiveId" clId="{DCC1502E-37E5-4668-9C51-8067C61DC3C7}" dt="2022-02-12T17:21:26.192" v="1505" actId="33524"/>
           <ac:spMkLst>
             <pc:docMk/>
             <pc:sldMk cId="4064966775" sldId="262"/>
@@ -378,7 +394,7 @@
         </pc:spChg>
       </pc:sldChg>
       <pc:sldChg chg="modSp add mod ord">
-        <pc:chgData name="Kenneth Omernick" userId="355fe66a21cb3198" providerId="LiveId" clId="{DCC1502E-37E5-4668-9C51-8067C61DC3C7}" dt="2022-02-10T02:29:02.763" v="836" actId="20577"/>
+        <pc:chgData name="Kenneth Omernick" userId="355fe66a21cb3198" providerId="LiveId" clId="{DCC1502E-37E5-4668-9C51-8067C61DC3C7}" dt="2022-02-12T17:21:40.363" v="1516" actId="20577"/>
         <pc:sldMkLst>
           <pc:docMk/>
           <pc:sldMk cId="2433296333" sldId="263"/>
@@ -392,7 +408,7 @@
           </ac:spMkLst>
         </pc:spChg>
         <pc:spChg chg="mod">
-          <ac:chgData name="Kenneth Omernick" userId="355fe66a21cb3198" providerId="LiveId" clId="{DCC1502E-37E5-4668-9C51-8067C61DC3C7}" dt="2022-02-10T02:29:02.763" v="836" actId="20577"/>
+          <ac:chgData name="Kenneth Omernick" userId="355fe66a21cb3198" providerId="LiveId" clId="{DCC1502E-37E5-4668-9C51-8067C61DC3C7}" dt="2022-02-12T17:21:40.363" v="1516" actId="20577"/>
           <ac:spMkLst>
             <pc:docMk/>
             <pc:sldMk cId="2433296333" sldId="263"/>
@@ -1771,7 +1787,7 @@
           <a:p>
             <a:fld id="{8369C108-6DA3-45F2-AE7E-50E80854775B}" type="datetimeFigureOut">
               <a:rPr lang="en-US" smtClean="0"/>
-              <a:t>2/9/2022</a:t>
+              <a:t>2/12/2022</a:t>
             </a:fld>
             <a:endParaRPr lang="en-US" dirty="0"/>
           </a:p>
@@ -1948,7 +1964,7 @@
           <a:p>
             <a:fld id="{476A73B2-5605-4CC4-ADC6-622651651079}" type="datetimeFigureOut">
               <a:rPr lang="en-US" smtClean="0"/>
-              <a:t>2/9/2022</a:t>
+              <a:t>2/12/2022</a:t>
             </a:fld>
             <a:endParaRPr lang="en-US" dirty="0"/>
           </a:p>
@@ -3050,7 +3066,7 @@
           <a:p>
             <a:fld id="{9AB3A824-1A51-4B26-AD58-A6D8E14F6C04}" type="datetimeFigureOut">
               <a:rPr lang="en-US" smtClean="0"/>
-              <a:t>2/9/2022</a:t>
+              <a:t>2/12/2022</a:t>
             </a:fld>
             <a:endParaRPr lang="en-US" dirty="0"/>
           </a:p>
@@ -3224,7 +3240,7 @@
           <a:p>
             <a:fld id="{D857E33E-8B18-4087-B112-809917729534}" type="datetimeFigureOut">
               <a:rPr lang="en-US" smtClean="0"/>
-              <a:t>2/9/2022</a:t>
+              <a:t>2/12/2022</a:t>
             </a:fld>
             <a:endParaRPr lang="en-US" dirty="0"/>
           </a:p>
@@ -3408,7 +3424,7 @@
           <a:p>
             <a:fld id="{D3FFE419-2371-464F-8239-3959401C3561}" type="datetimeFigureOut">
               <a:rPr lang="en-US" smtClean="0"/>
-              <a:t>2/9/2022</a:t>
+              <a:t>2/12/2022</a:t>
             </a:fld>
             <a:endParaRPr lang="en-US" dirty="0"/>
           </a:p>
@@ -3582,7 +3598,7 @@
           <a:p>
             <a:fld id="{97D162C4-EDD9-4389-A98B-B87ECEA2A816}" type="datetimeFigureOut">
               <a:rPr lang="en-US" smtClean="0"/>
-              <a:t>2/9/2022</a:t>
+              <a:t>2/12/2022</a:t>
             </a:fld>
             <a:endParaRPr lang="en-US" dirty="0"/>
           </a:p>
@@ -3854,7 +3870,7 @@
           <a:p>
             <a:fld id="{3E5059C3-6A89-4494-99FF-5A4D6FFD50EB}" type="datetimeFigureOut">
               <a:rPr lang="en-US" smtClean="0"/>
-              <a:t>2/9/2022</a:t>
+              <a:t>2/12/2022</a:t>
             </a:fld>
             <a:endParaRPr lang="en-US" dirty="0"/>
           </a:p>
@@ -4090,7 +4106,7 @@
           <a:p>
             <a:fld id="{CA954B2F-12DE-47F5-8894-472B206D2E1E}" type="datetimeFigureOut">
               <a:rPr lang="en-US" smtClean="0"/>
-              <a:t>2/9/2022</a:t>
+              <a:t>2/12/2022</a:t>
             </a:fld>
             <a:endParaRPr lang="en-US" dirty="0"/>
           </a:p>
@@ -4453,7 +4469,7 @@
           <a:p>
             <a:fld id="{3CBC1C18-307B-4F68-A007-B5B542270E8D}" type="datetimeFigureOut">
               <a:rPr lang="en-US" smtClean="0"/>
-              <a:t>2/9/2022</a:t>
+              <a:t>2/12/2022</a:t>
             </a:fld>
             <a:endParaRPr lang="en-US" dirty="0"/>
           </a:p>
@@ -4600,7 +4616,7 @@
           <a:p>
             <a:fld id="{1FAF3416-4057-4DAA-829D-4CA07428D088}" type="datetimeFigureOut">
               <a:rPr lang="en-US" smtClean="0"/>
-              <a:t>2/9/2022</a:t>
+              <a:t>2/12/2022</a:t>
             </a:fld>
             <a:endParaRPr lang="en-US" dirty="0"/>
           </a:p>
@@ -4699,7 +4715,7 @@
           <a:p>
             <a:fld id="{921D9284-D300-4297-87F7-E791DCC15DB1}" type="datetimeFigureOut">
               <a:rPr lang="en-US" smtClean="0"/>
-              <a:t>2/9/2022</a:t>
+              <a:t>2/12/2022</a:t>
             </a:fld>
             <a:endParaRPr lang="en-US" dirty="0"/>
           </a:p>
@@ -5060,7 +5076,7 @@
           <a:p>
             <a:fld id="{37D525BB-DA17-4BA0-B3C8-3AC3ABC827E6}" type="datetimeFigureOut">
               <a:rPr lang="en-US" smtClean="0"/>
-              <a:t>2/9/2022</a:t>
+              <a:t>2/12/2022</a:t>
             </a:fld>
             <a:endParaRPr lang="en-US" dirty="0"/>
           </a:p>
@@ -5421,7 +5437,7 @@
           <a:p>
             <a:fld id="{B16C4C9A-3960-41CF-A4E9-2A8FB932454B}" type="datetimeFigureOut">
               <a:rPr lang="en-US" smtClean="0"/>
-              <a:t>2/9/2022</a:t>
+              <a:t>2/12/2022</a:t>
             </a:fld>
             <a:endParaRPr lang="en-US" dirty="0"/>
           </a:p>
@@ -5667,7 +5683,7 @@
           <a:p>
             <a:fld id="{3CBC1C18-307B-4F68-A007-B5B542270E8D}" type="datetimeFigureOut">
               <a:rPr lang="en-US" smtClean="0"/>
-              <a:t>2/9/2022</a:t>
+              <a:t>2/12/2022</a:t>
             </a:fld>
             <a:endParaRPr lang="en-US" dirty="0"/>
           </a:p>
@@ -6686,7 +6702,7 @@
         <p:spPr>
           <a:xfrm>
             <a:off x="5455228" y="2005531"/>
-            <a:ext cx="5725391" cy="2862322"/>
+            <a:ext cx="5725391" cy="3416320"/>
           </a:xfrm>
           <a:prstGeom prst="rect">
             <a:avLst/>
@@ -6831,6 +6847,34 @@
                 </a:solidFill>
               </a:rPr>
               <a:t>How is it all correlated to the stock market</a:t>
+            </a:r>
+          </a:p>
+          <a:p>
+            <a:pPr marL="285750" indent="-285750">
+              <a:buFont typeface="Arial" panose="020B0604020202020204" pitchFamily="34" charset="0"/>
+              <a:buChar char="•"/>
+            </a:pPr>
+            <a:r>
+              <a:rPr lang="en-US" dirty="0">
+                <a:solidFill>
+                  <a:schemeClr val="bg1"/>
+                </a:solidFill>
+              </a:rPr>
+              <a:t>Motivation</a:t>
+            </a:r>
+          </a:p>
+          <a:p>
+            <a:pPr marL="742950" lvl="1" indent="-285750">
+              <a:buFont typeface="Arial" panose="020B0604020202020204" pitchFamily="34" charset="0"/>
+              <a:buChar char="•"/>
+            </a:pPr>
+            <a:r>
+              <a:rPr lang="en-US" dirty="0">
+                <a:solidFill>
+                  <a:schemeClr val="bg1"/>
+                </a:solidFill>
+              </a:rPr>
+              <a:t>$$$$$$$$$$$$$$$$$$$$$$$$$$$$$</a:t>
             </a:r>
           </a:p>
           <a:p>
@@ -7026,14 +7070,14 @@
             <p:ph idx="1"/>
             <p:extLst>
               <p:ext uri="{D42A27DB-BD31-4B8C-83A1-F6EECF244321}">
-                <p14:modId xmlns:p14="http://schemas.microsoft.com/office/powerpoint/2010/main" val="3262385308"/>
+                <p14:modId xmlns:p14="http://schemas.microsoft.com/office/powerpoint/2010/main" val="297989993"/>
               </p:ext>
             </p:extLst>
           </p:nvPr>
         </p:nvGraphicFramePr>
         <p:xfrm>
-          <a:off x="920750" y="965200"/>
-          <a:ext cx="5651500" cy="4968875"/>
+          <a:off x="4077049" y="4118995"/>
+          <a:ext cx="3199876" cy="2628813"/>
         </p:xfrm>
         <a:graphic>
           <a:graphicData uri="http://schemas.openxmlformats.org/drawingml/2006/chart">
@@ -7120,6 +7164,148 @@
               </a:rPr>
               <a:t>Data</a:t>
             </a:r>
+          </a:p>
+        </p:txBody>
+      </p:sp>
+      <p:sp>
+        <p:nvSpPr>
+          <p:cNvPr id="4" name="TextBox 3">
+            <a:extLst>
+              <a:ext uri="{FF2B5EF4-FFF2-40B4-BE49-F238E27FC236}">
+                <a16:creationId xmlns:a16="http://schemas.microsoft.com/office/drawing/2014/main" id="{E8865585-7F0C-4333-BD4B-AA5C9B8C9D99}"/>
+              </a:ext>
+            </a:extLst>
+          </p:cNvPr>
+          <p:cNvSpPr txBox="1"/>
+          <p:nvPr/>
+        </p:nvSpPr>
+        <p:spPr>
+          <a:xfrm>
+            <a:off x="201336" y="167780"/>
+            <a:ext cx="6691208" cy="3693319"/>
+          </a:xfrm>
+          <a:prstGeom prst="rect">
+            <a:avLst/>
+          </a:prstGeom>
+          <a:noFill/>
+        </p:spPr>
+        <p:txBody>
+          <a:bodyPr wrap="square" rtlCol="0">
+            <a:spAutoFit/>
+          </a:bodyPr>
+          <a:lstStyle/>
+          <a:p>
+            <a:pPr marL="285750" indent="-285750">
+              <a:buFont typeface="Arial" panose="020B0604020202020204" pitchFamily="34" charset="0"/>
+              <a:buChar char="•"/>
+            </a:pPr>
+            <a:r>
+              <a:rPr lang="en-US" dirty="0"/>
+              <a:t>Questions</a:t>
+            </a:r>
+          </a:p>
+          <a:p>
+            <a:pPr marL="742950" lvl="1" indent="-285750">
+              <a:buFont typeface="Arial" panose="020B0604020202020204" pitchFamily="34" charset="0"/>
+              <a:buChar char="•"/>
+            </a:pPr>
+            <a:r>
+              <a:rPr lang="en-US" dirty="0"/>
+              <a:t>Does it work?</a:t>
+            </a:r>
+          </a:p>
+          <a:p>
+            <a:pPr marL="1200150" lvl="2" indent="-285750">
+              <a:buFont typeface="Arial" panose="020B0604020202020204" pitchFamily="34" charset="0"/>
+              <a:buChar char="•"/>
+            </a:pPr>
+            <a:r>
+              <a:rPr lang="en-US" dirty="0"/>
+              <a:t>Er.. Yes and no, depends on volatility</a:t>
+            </a:r>
+          </a:p>
+          <a:p>
+            <a:pPr marL="742950" lvl="1" indent="-285750">
+              <a:buFont typeface="Arial" panose="020B0604020202020204" pitchFamily="34" charset="0"/>
+              <a:buChar char="•"/>
+            </a:pPr>
+            <a:r>
+              <a:rPr lang="en-US" dirty="0"/>
+              <a:t>What would be the returns?</a:t>
+            </a:r>
+          </a:p>
+          <a:p>
+            <a:pPr marL="1200150" lvl="2" indent="-285750">
+              <a:buFont typeface="Arial" panose="020B0604020202020204" pitchFamily="34" charset="0"/>
+              <a:buChar char="•"/>
+            </a:pPr>
+            <a:r>
+              <a:rPr lang="en-US" dirty="0"/>
+              <a:t>See notebook</a:t>
+            </a:r>
+          </a:p>
+          <a:p>
+            <a:pPr marL="742950" lvl="1" indent="-285750">
+              <a:buFont typeface="Arial" panose="020B0604020202020204" pitchFamily="34" charset="0"/>
+              <a:buChar char="•"/>
+            </a:pPr>
+            <a:r>
+              <a:rPr lang="en-US" dirty="0"/>
+              <a:t>What moving averages should we use?</a:t>
+            </a:r>
+          </a:p>
+          <a:p>
+            <a:pPr marL="1200150" lvl="2" indent="-285750">
+              <a:buFont typeface="Arial" panose="020B0604020202020204" pitchFamily="34" charset="0"/>
+              <a:buChar char="•"/>
+            </a:pPr>
+            <a:r>
+              <a:rPr lang="en-US" dirty="0"/>
+              <a:t>We tried 50 Day SMA, 20 Day SMA, 4 Day EMA, and a 20/50 Day SMA crossover</a:t>
+            </a:r>
+          </a:p>
+          <a:p>
+            <a:pPr marL="742950" lvl="1" indent="-285750">
+              <a:buFont typeface="Arial" panose="020B0604020202020204" pitchFamily="34" charset="0"/>
+              <a:buChar char="•"/>
+            </a:pPr>
+            <a:r>
+              <a:rPr lang="en-US" dirty="0"/>
+              <a:t>Does volatility matter?</a:t>
+            </a:r>
+          </a:p>
+          <a:p>
+            <a:pPr marL="1200150" lvl="2" indent="-285750">
+              <a:buFont typeface="Arial" panose="020B0604020202020204" pitchFamily="34" charset="0"/>
+              <a:buChar char="•"/>
+            </a:pPr>
+            <a:r>
+              <a:rPr lang="en-US" dirty="0"/>
+              <a:t>Yes</a:t>
+            </a:r>
+          </a:p>
+          <a:p>
+            <a:pPr marL="742950" lvl="1" indent="-285750">
+              <a:buFont typeface="Arial" panose="020B0604020202020204" pitchFamily="34" charset="0"/>
+              <a:buChar char="•"/>
+            </a:pPr>
+            <a:r>
+              <a:rPr lang="en-US" dirty="0"/>
+              <a:t>How is it all correlated to the stock market</a:t>
+            </a:r>
+          </a:p>
+          <a:p>
+            <a:pPr marL="1200150" lvl="2" indent="-285750">
+              <a:buFont typeface="Arial" panose="020B0604020202020204" pitchFamily="34" charset="0"/>
+              <a:buChar char="•"/>
+            </a:pPr>
+            <a:r>
+              <a:rPr lang="en-US" dirty="0"/>
+              <a:t>Definitely correlated, goes through phases</a:t>
+            </a:r>
+          </a:p>
+          <a:p>
+            <a:endParaRPr lang="en-US" dirty="0"/>
           </a:p>
         </p:txBody>
       </p:sp>
@@ -7353,7 +7539,7 @@
         <p:spPr>
           <a:xfrm>
             <a:off x="5600700" y="1194955"/>
-            <a:ext cx="5600700" cy="1477328"/>
+            <a:ext cx="5600700" cy="2031325"/>
           </a:xfrm>
           <a:prstGeom prst="rect">
             <a:avLst/>
@@ -7402,15 +7588,32 @@
             </a:pPr>
             <a:r>
               <a:rPr lang="en-US" dirty="0"/>
-              <a:t>Usual rename column, drop </a:t>
+              <a:t>Rename columns</a:t>
+            </a:r>
+          </a:p>
+          <a:p>
+            <a:pPr marL="285750" indent="-285750">
+              <a:buFont typeface="Arial" panose="020B0604020202020204" pitchFamily="34" charset="0"/>
+              <a:buChar char="•"/>
+            </a:pPr>
+            <a:r>
+              <a:rPr lang="en-US" dirty="0"/>
+              <a:t>Drop </a:t>
             </a:r>
             <a:r>
               <a:rPr lang="en-US" dirty="0" err="1"/>
               <a:t>na’s</a:t>
             </a:r>
+            <a:endParaRPr lang="en-US" dirty="0"/>
+          </a:p>
+          <a:p>
+            <a:pPr marL="285750" indent="-285750">
+              <a:buFont typeface="Arial" panose="020B0604020202020204" pitchFamily="34" charset="0"/>
+              <a:buChar char="•"/>
+            </a:pPr>
             <a:r>
               <a:rPr lang="en-US" dirty="0"/>
-              <a:t>, drop unused data</a:t>
+              <a:t>Drop unused data</a:t>
             </a:r>
           </a:p>
           <a:p>
@@ -7656,7 +7859,7 @@
         <p:spPr>
           <a:xfrm>
             <a:off x="1298862" y="1979520"/>
-            <a:ext cx="4797137" cy="923330"/>
+            <a:ext cx="4797137" cy="1200329"/>
           </a:xfrm>
           <a:prstGeom prst="rect">
             <a:avLst/>
@@ -7696,6 +7899,16 @@
             <a:r>
               <a:rPr lang="en-US" dirty="0"/>
               <a:t>Created charts</a:t>
+            </a:r>
+          </a:p>
+          <a:p>
+            <a:pPr marL="742950" lvl="1" indent="-285750">
+              <a:buFont typeface="Arial" panose="020B0604020202020204" pitchFamily="34" charset="0"/>
+              <a:buChar char="•"/>
+            </a:pPr>
+            <a:r>
+              <a:rPr lang="en-US" dirty="0"/>
+              <a:t>Compared Charts</a:t>
             </a:r>
           </a:p>
         </p:txBody>
@@ -7910,7 +8123,7 @@
                   <a:schemeClr val="bg1"/>
                 </a:solidFill>
               </a:rPr>
-              <a:t>Discussion</a:t>
+              <a:t>Discussion/Summary</a:t>
             </a:r>
           </a:p>
         </p:txBody>
@@ -7930,7 +8143,7 @@
         <p:spPr>
           <a:xfrm>
             <a:off x="5600700" y="1194955"/>
-            <a:ext cx="5600700" cy="369332"/>
+            <a:ext cx="5600700" cy="3139321"/>
           </a:xfrm>
           <a:prstGeom prst="rect">
             <a:avLst/>
@@ -7949,7 +8162,67 @@
             </a:pPr>
             <a:r>
               <a:rPr lang="en-US" dirty="0"/>
-              <a:t>Discuss your findings.</a:t>
+              <a:t>Results</a:t>
+            </a:r>
+          </a:p>
+          <a:p>
+            <a:pPr marL="742950" lvl="1" indent="-285750">
+              <a:buFont typeface="Arial" panose="020B0604020202020204" pitchFamily="34" charset="0"/>
+              <a:buChar char="•"/>
+            </a:pPr>
+            <a:r>
+              <a:rPr lang="en-US" dirty="0"/>
+              <a:t>Over the course of all the data trading using only moving averages does not appear to be profitable</a:t>
+            </a:r>
+          </a:p>
+          <a:p>
+            <a:pPr marL="742950" lvl="1" indent="-285750">
+              <a:buFont typeface="Arial" panose="020B0604020202020204" pitchFamily="34" charset="0"/>
+              <a:buChar char="•"/>
+            </a:pPr>
+            <a:r>
+              <a:rPr lang="en-US" dirty="0"/>
+              <a:t>More recent data suggest that it is however</a:t>
+            </a:r>
+          </a:p>
+          <a:p>
+            <a:pPr marL="742950" lvl="1" indent="-285750">
+              <a:buFont typeface="Arial" panose="020B0604020202020204" pitchFamily="34" charset="0"/>
+              <a:buChar char="•"/>
+            </a:pPr>
+            <a:r>
+              <a:rPr lang="en-US" dirty="0"/>
+              <a:t>Taking into consideration volatility is the key I believe </a:t>
+            </a:r>
+          </a:p>
+          <a:p>
+            <a:pPr marL="742950" lvl="1" indent="-285750">
+              <a:buFont typeface="Arial" panose="020B0604020202020204" pitchFamily="34" charset="0"/>
+              <a:buChar char="•"/>
+            </a:pPr>
+            <a:r>
+              <a:rPr lang="en-US" dirty="0"/>
+              <a:t>See notebook dashboard for visualizations  of the summary</a:t>
+            </a:r>
+          </a:p>
+          <a:p>
+            <a:pPr marL="285750" indent="-285750">
+              <a:buFont typeface="Arial" panose="020B0604020202020204" pitchFamily="34" charset="0"/>
+              <a:buChar char="•"/>
+            </a:pPr>
+            <a:r>
+              <a:rPr lang="en-US" dirty="0"/>
+              <a:t>Implications</a:t>
+            </a:r>
+          </a:p>
+          <a:p>
+            <a:pPr marL="742950" lvl="1" indent="-285750">
+              <a:buFont typeface="Arial" panose="020B0604020202020204" pitchFamily="34" charset="0"/>
+              <a:buChar char="•"/>
+            </a:pPr>
+            <a:r>
+              <a:rPr lang="en-US" dirty="0"/>
+              <a:t>Possible money-making opportunity if a volatility indicator is used </a:t>
             </a:r>
           </a:p>
         </p:txBody>
@@ -8185,7 +8458,7 @@
         <p:spPr>
           <a:xfrm>
             <a:off x="1298862" y="1979520"/>
-            <a:ext cx="4797137" cy="1200329"/>
+            <a:ext cx="4797137" cy="1477328"/>
           </a:xfrm>
           <a:prstGeom prst="rect">
             <a:avLst/>
@@ -8214,13 +8487,18 @@
             </a:pPr>
             <a:r>
               <a:rPr lang="en-US" dirty="0"/>
-              <a:t>Getting </a:t>
-            </a:r>
-            <a:r>
-              <a:rPr lang="en-US"/>
-              <a:t>the data</a:t>
-            </a:r>
-            <a:endParaRPr lang="en-US" dirty="0"/>
+              <a:t>Getting the data</a:t>
+            </a:r>
+          </a:p>
+          <a:p>
+            <a:pPr marL="1200150" lvl="2" indent="-285750">
+              <a:buFont typeface="Arial" panose="020B0604020202020204" pitchFamily="34" charset="0"/>
+              <a:buChar char="•"/>
+            </a:pPr>
+            <a:r>
+              <a:rPr lang="en-US" dirty="0"/>
+              <a:t>SDK sucks</a:t>
+            </a:r>
           </a:p>
           <a:p>
             <a:pPr marL="285750" indent="-285750">
@@ -9237,24 +9515,6 @@
 </file>
 
 <file path=customXml/item1.xml><?xml version="1.0" encoding="utf-8"?>
-<p:properties xmlns:p="http://schemas.microsoft.com/office/2006/metadata/properties" xmlns:xsi="http://www.w3.org/2001/XMLSchema-instance" xmlns:pc="http://schemas.microsoft.com/office/infopath/2007/PartnerControls">
-  <documentManagement>
-    <Status xmlns="71af3243-3dd4-4a8d-8c0d-dd76da1f02a5">Not started</Status>
-    <MediaServiceKeyPoints xmlns="71af3243-3dd4-4a8d-8c0d-dd76da1f02a5" xsi:nil="true"/>
-  </documentManagement>
-</p:properties>
-</file>
-
-<file path=customXml/item2.xml><?xml version="1.0" encoding="utf-8"?>
-<?mso-contentType ?>
-<FormTemplates xmlns="http://schemas.microsoft.com/sharepoint/v3/contenttype/forms">
-  <Display>DocumentLibraryForm</Display>
-  <Edit>DocumentLibraryForm</Edit>
-  <New>DocumentLibraryForm</New>
-</FormTemplates>
-</file>
-
-<file path=customXml/item3.xml><?xml version="1.0" encoding="utf-8"?>
 <ct:contentTypeSchema xmlns:ct="http://schemas.microsoft.com/office/2006/metadata/contentType" xmlns:ma="http://schemas.microsoft.com/office/2006/metadata/properties/metaAttributes" ct:_="" ma:_="" ma:contentTypeName="Document" ma:contentTypeID="0x01010079F111ED35F8CC479449609E8A0923A6" ma:contentTypeVersion="12" ma:contentTypeDescription="Create a new document." ma:contentTypeScope="" ma:versionID="93813dd7ca6ad654711aa0ab317e03a3">
   <xsd:schema xmlns:xsd="http://www.w3.org/2001/XMLSchema" xmlns:xs="http://www.w3.org/2001/XMLSchema" xmlns:p="http://schemas.microsoft.com/office/2006/metadata/properties" xmlns:ns2="71af3243-3dd4-4a8d-8c0d-dd76da1f02a5" xmlns:ns3="16c05727-aa75-4e4a-9b5f-8a80a1165891" targetNamespace="http://schemas.microsoft.com/office/2006/metadata/properties" ma:root="true" ma:fieldsID="f11dc0ce689dd3925e84e4e35398c6e7" ns2:_="" ns3:_="">
     <xsd:import namespace="71af3243-3dd4-4a8d-8c0d-dd76da1f02a5"/>
@@ -9475,25 +9735,25 @@
 </ct:contentTypeSchema>
 </file>
 
-<file path=customXml/itemProps1.xml><?xml version="1.0" encoding="utf-8"?>
-<ds:datastoreItem xmlns:ds="http://schemas.openxmlformats.org/officeDocument/2006/customXml" ds:itemID="{1F4D5ADA-BB6C-46F4-9A97-3A3D44A9A8A6}">
-  <ds:schemaRefs>
-    <ds:schemaRef ds:uri="http://schemas.microsoft.com/office/2006/metadata/properties"/>
-    <ds:schemaRef ds:uri="http://schemas.microsoft.com/office/infopath/2007/PartnerControls"/>
-    <ds:schemaRef ds:uri="71af3243-3dd4-4a8d-8c0d-dd76da1f02a5"/>
-  </ds:schemaRefs>
-</ds:datastoreItem>
+<file path=customXml/item2.xml><?xml version="1.0" encoding="utf-8"?>
+<?mso-contentType ?>
+<FormTemplates xmlns="http://schemas.microsoft.com/sharepoint/v3/contenttype/forms">
+  <Display>DocumentLibraryForm</Display>
+  <Edit>DocumentLibraryForm</Edit>
+  <New>DocumentLibraryForm</New>
+</FormTemplates>
 </file>
 
-<file path=customXml/itemProps2.xml><?xml version="1.0" encoding="utf-8"?>
-<ds:datastoreItem xmlns:ds="http://schemas.openxmlformats.org/officeDocument/2006/customXml" ds:itemID="{C28223DC-4748-4F7F-8D8D-E4EA5A6C1882}">
-  <ds:schemaRefs>
-    <ds:schemaRef ds:uri="http://schemas.microsoft.com/sharepoint/v3/contenttype/forms"/>
-  </ds:schemaRefs>
-</ds:datastoreItem>
+<file path=customXml/item3.xml><?xml version="1.0" encoding="utf-8"?>
+<p:properties xmlns:p="http://schemas.microsoft.com/office/2006/metadata/properties" xmlns:xsi="http://www.w3.org/2001/XMLSchema-instance" xmlns:pc="http://schemas.microsoft.com/office/infopath/2007/PartnerControls">
+  <documentManagement>
+    <Status xmlns="71af3243-3dd4-4a8d-8c0d-dd76da1f02a5">Not started</Status>
+    <MediaServiceKeyPoints xmlns="71af3243-3dd4-4a8d-8c0d-dd76da1f02a5" xsi:nil="true"/>
+  </documentManagement>
+</p:properties>
 </file>
 
-<file path=customXml/itemProps3.xml><?xml version="1.0" encoding="utf-8"?>
+<file path=customXml/itemProps1.xml><?xml version="1.0" encoding="utf-8"?>
 <ds:datastoreItem xmlns:ds="http://schemas.openxmlformats.org/officeDocument/2006/customXml" ds:itemID="{1612D154-BCA4-47A9-881C-4EFB9658D8AB}">
   <ds:schemaRefs>
     <ds:schemaRef ds:uri="http://schemas.microsoft.com/office/2006/metadata/contentType"/>
@@ -9510,4 +9770,22 @@
     <ds:schemaRef ds:uri="http://schemas.microsoft.com/internal/obd"/>
   </ds:schemaRefs>
 </ds:datastoreItem>
+</file>
+
+<file path=customXml/itemProps2.xml><?xml version="1.0" encoding="utf-8"?>
+<ds:datastoreItem xmlns:ds="http://schemas.openxmlformats.org/officeDocument/2006/customXml" ds:itemID="{C28223DC-4748-4F7F-8D8D-E4EA5A6C1882}">
+  <ds:schemaRefs>
+    <ds:schemaRef ds:uri="http://schemas.microsoft.com/sharepoint/v3/contenttype/forms"/>
+  </ds:schemaRefs>
+</ds:datastoreItem>
+</file>
+
+<file path=customXml/itemProps3.xml><?xml version="1.0" encoding="utf-8"?>
+<ds:datastoreItem xmlns:ds="http://schemas.openxmlformats.org/officeDocument/2006/customXml" ds:itemID="{1F4D5ADA-BB6C-46F4-9A97-3A3D44A9A8A6}">
+  <ds:schemaRefs>
+    <ds:schemaRef ds:uri="http://schemas.microsoft.com/office/2006/metadata/properties"/>
+    <ds:schemaRef ds:uri="http://schemas.microsoft.com/office/infopath/2007/PartnerControls"/>
+    <ds:schemaRef ds:uri="71af3243-3dd4-4a8d-8c0d-dd76da1f02a5"/>
+  </ds:schemaRefs>
+</ds:datastoreItem>
 </file>
--- a/Project_1_Bitcoin Trading Strats.pptx
+++ b/Project_1_Bitcoin Trading Strats.pptx
@@ -1787,7 +1787,7 @@
           <a:p>
             <a:fld id="{8369C108-6DA3-45F2-AE7E-50E80854775B}" type="datetimeFigureOut">
               <a:rPr lang="en-US" smtClean="0"/>
-              <a:t>2/12/2022</a:t>
+              <a:t>2/16/2022</a:t>
             </a:fld>
             <a:endParaRPr lang="en-US" dirty="0"/>
           </a:p>
@@ -1964,7 +1964,7 @@
           <a:p>
             <a:fld id="{476A73B2-5605-4CC4-ADC6-622651651079}" type="datetimeFigureOut">
               <a:rPr lang="en-US" smtClean="0"/>
-              <a:t>2/12/2022</a:t>
+              <a:t>2/16/2022</a:t>
             </a:fld>
             <a:endParaRPr lang="en-US" dirty="0"/>
           </a:p>
@@ -3066,7 +3066,7 @@
           <a:p>
             <a:fld id="{9AB3A824-1A51-4B26-AD58-A6D8E14F6C04}" type="datetimeFigureOut">
               <a:rPr lang="en-US" smtClean="0"/>
-              <a:t>2/12/2022</a:t>
+              <a:t>2/16/2022</a:t>
             </a:fld>
             <a:endParaRPr lang="en-US" dirty="0"/>
           </a:p>
@@ -3240,7 +3240,7 @@
           <a:p>
             <a:fld id="{D857E33E-8B18-4087-B112-809917729534}" type="datetimeFigureOut">
               <a:rPr lang="en-US" smtClean="0"/>
-              <a:t>2/12/2022</a:t>
+              <a:t>2/16/2022</a:t>
             </a:fld>
             <a:endParaRPr lang="en-US" dirty="0"/>
           </a:p>
@@ -3424,7 +3424,7 @@
           <a:p>
             <a:fld id="{D3FFE419-2371-464F-8239-3959401C3561}" type="datetimeFigureOut">
               <a:rPr lang="en-US" smtClean="0"/>
-              <a:t>2/12/2022</a:t>
+              <a:t>2/16/2022</a:t>
             </a:fld>
             <a:endParaRPr lang="en-US" dirty="0"/>
           </a:p>
@@ -3598,7 +3598,7 @@
           <a:p>
             <a:fld id="{97D162C4-EDD9-4389-A98B-B87ECEA2A816}" type="datetimeFigureOut">
               <a:rPr lang="en-US" smtClean="0"/>
-              <a:t>2/12/2022</a:t>
+              <a:t>2/16/2022</a:t>
             </a:fld>
             <a:endParaRPr lang="en-US" dirty="0"/>
           </a:p>
@@ -3870,7 +3870,7 @@
           <a:p>
             <a:fld id="{3E5059C3-6A89-4494-99FF-5A4D6FFD50EB}" type="datetimeFigureOut">
               <a:rPr lang="en-US" smtClean="0"/>
-              <a:t>2/12/2022</a:t>
+              <a:t>2/16/2022</a:t>
             </a:fld>
             <a:endParaRPr lang="en-US" dirty="0"/>
           </a:p>
@@ -4106,7 +4106,7 @@
           <a:p>
             <a:fld id="{CA954B2F-12DE-47F5-8894-472B206D2E1E}" type="datetimeFigureOut">
               <a:rPr lang="en-US" smtClean="0"/>
-              <a:t>2/12/2022</a:t>
+              <a:t>2/16/2022</a:t>
             </a:fld>
             <a:endParaRPr lang="en-US" dirty="0"/>
           </a:p>
@@ -4469,7 +4469,7 @@
           <a:p>
             <a:fld id="{3CBC1C18-307B-4F68-A007-B5B542270E8D}" type="datetimeFigureOut">
               <a:rPr lang="en-US" smtClean="0"/>
-              <a:t>2/12/2022</a:t>
+              <a:t>2/16/2022</a:t>
             </a:fld>
             <a:endParaRPr lang="en-US" dirty="0"/>
           </a:p>
@@ -4616,7 +4616,7 @@
           <a:p>
             <a:fld id="{1FAF3416-4057-4DAA-829D-4CA07428D088}" type="datetimeFigureOut">
               <a:rPr lang="en-US" smtClean="0"/>
-              <a:t>2/12/2022</a:t>
+              <a:t>2/16/2022</a:t>
             </a:fld>
             <a:endParaRPr lang="en-US" dirty="0"/>
           </a:p>
@@ -4715,7 +4715,7 @@
           <a:p>
             <a:fld id="{921D9284-D300-4297-87F7-E791DCC15DB1}" type="datetimeFigureOut">
               <a:rPr lang="en-US" smtClean="0"/>
-              <a:t>2/12/2022</a:t>
+              <a:t>2/16/2022</a:t>
             </a:fld>
             <a:endParaRPr lang="en-US" dirty="0"/>
           </a:p>
@@ -5076,7 +5076,7 @@
           <a:p>
             <a:fld id="{37D525BB-DA17-4BA0-B3C8-3AC3ABC827E6}" type="datetimeFigureOut">
               <a:rPr lang="en-US" smtClean="0"/>
-              <a:t>2/12/2022</a:t>
+              <a:t>2/16/2022</a:t>
             </a:fld>
             <a:endParaRPr lang="en-US" dirty="0"/>
           </a:p>
@@ -5437,7 +5437,7 @@
           <a:p>
             <a:fld id="{B16C4C9A-3960-41CF-A4E9-2A8FB932454B}" type="datetimeFigureOut">
               <a:rPr lang="en-US" smtClean="0"/>
-              <a:t>2/12/2022</a:t>
+              <a:t>2/16/2022</a:t>
             </a:fld>
             <a:endParaRPr lang="en-US" dirty="0"/>
           </a:p>
@@ -5683,7 +5683,7 @@
           <a:p>
             <a:fld id="{3CBC1C18-307B-4F68-A007-B5B542270E8D}" type="datetimeFigureOut">
               <a:rPr lang="en-US" smtClean="0"/>
-              <a:t>2/12/2022</a:t>
+              <a:t>2/16/2022</a:t>
             </a:fld>
             <a:endParaRPr lang="en-US" dirty="0"/>
           </a:p>
@@ -8458,7 +8458,7 @@
         <p:spPr>
           <a:xfrm>
             <a:off x="1298862" y="1979520"/>
-            <a:ext cx="4797137" cy="1477328"/>
+            <a:ext cx="4797137" cy="2308324"/>
           </a:xfrm>
           <a:prstGeom prst="rect">
             <a:avLst/>
@@ -8496,9 +8496,16 @@
               <a:buChar char="•"/>
             </a:pPr>
             <a:r>
-              <a:rPr lang="en-US" dirty="0"/>
+              <a:rPr lang="en-US"/>
               <a:t>SDK sucks</a:t>
             </a:r>
+          </a:p>
+          <a:p>
+            <a:pPr marL="742950" lvl="1" indent="-285750">
+              <a:buFont typeface="Arial" panose="020B0604020202020204" pitchFamily="34" charset="0"/>
+              <a:buChar char="•"/>
+            </a:pPr>
+            <a:endParaRPr lang="en-US" dirty="0"/>
           </a:p>
           <a:p>
             <a:pPr marL="285750" indent="-285750">
@@ -8507,17 +8514,37 @@
             </a:pPr>
             <a:r>
               <a:rPr lang="en-US" dirty="0"/>
-              <a:t>Monte Carlo Sim with trading</a:t>
-            </a:r>
-          </a:p>
-          <a:p>
-            <a:pPr marL="285750" indent="-285750">
+              <a:t>If I had more time</a:t>
+            </a:r>
+          </a:p>
+          <a:p>
+            <a:pPr marL="742950" lvl="1" indent="-285750">
               <a:buFont typeface="Arial" panose="020B0604020202020204" pitchFamily="34" charset="0"/>
               <a:buChar char="•"/>
             </a:pPr>
             <a:r>
               <a:rPr lang="en-US" dirty="0"/>
+              <a:t>Monte Carlo Sim with trading</a:t>
+            </a:r>
+          </a:p>
+          <a:p>
+            <a:pPr marL="742950" lvl="1" indent="-285750">
+              <a:buFont typeface="Arial" panose="020B0604020202020204" pitchFamily="34" charset="0"/>
+              <a:buChar char="•"/>
+            </a:pPr>
+            <a:r>
+              <a:rPr lang="en-US" dirty="0"/>
               <a:t>Volatility trading indicator</a:t>
+            </a:r>
+          </a:p>
+          <a:p>
+            <a:pPr marL="742950" lvl="1" indent="-285750">
+              <a:buFont typeface="Arial" panose="020B0604020202020204" pitchFamily="34" charset="0"/>
+              <a:buChar char="•"/>
+            </a:pPr>
+            <a:r>
+              <a:rPr lang="en-US" dirty="0"/>
+              <a:t>Better code (very copy paste-y)</a:t>
             </a:r>
           </a:p>
         </p:txBody>
@@ -9515,6 +9542,15 @@
 </file>
 
 <file path=customXml/item1.xml><?xml version="1.0" encoding="utf-8"?>
+<?mso-contentType ?>
+<FormTemplates xmlns="http://schemas.microsoft.com/sharepoint/v3/contenttype/forms">
+  <Display>DocumentLibraryForm</Display>
+  <Edit>DocumentLibraryForm</Edit>
+  <New>DocumentLibraryForm</New>
+</FormTemplates>
+</file>
+
+<file path=customXml/item2.xml><?xml version="1.0" encoding="utf-8"?>
 <ct:contentTypeSchema xmlns:ct="http://schemas.microsoft.com/office/2006/metadata/contentType" xmlns:ma="http://schemas.microsoft.com/office/2006/metadata/properties/metaAttributes" ct:_="" ma:_="" ma:contentTypeName="Document" ma:contentTypeID="0x01010079F111ED35F8CC479449609E8A0923A6" ma:contentTypeVersion="12" ma:contentTypeDescription="Create a new document." ma:contentTypeScope="" ma:versionID="93813dd7ca6ad654711aa0ab317e03a3">
   <xsd:schema xmlns:xsd="http://www.w3.org/2001/XMLSchema" xmlns:xs="http://www.w3.org/2001/XMLSchema" xmlns:p="http://schemas.microsoft.com/office/2006/metadata/properties" xmlns:ns2="71af3243-3dd4-4a8d-8c0d-dd76da1f02a5" xmlns:ns3="16c05727-aa75-4e4a-9b5f-8a80a1165891" targetNamespace="http://schemas.microsoft.com/office/2006/metadata/properties" ma:root="true" ma:fieldsID="f11dc0ce689dd3925e84e4e35398c6e7" ns2:_="" ns3:_="">
     <xsd:import namespace="71af3243-3dd4-4a8d-8c0d-dd76da1f02a5"/>
@@ -9735,15 +9771,6 @@
 </ct:contentTypeSchema>
 </file>
 
-<file path=customXml/item2.xml><?xml version="1.0" encoding="utf-8"?>
-<?mso-contentType ?>
-<FormTemplates xmlns="http://schemas.microsoft.com/sharepoint/v3/contenttype/forms">
-  <Display>DocumentLibraryForm</Display>
-  <Edit>DocumentLibraryForm</Edit>
-  <New>DocumentLibraryForm</New>
-</FormTemplates>
-</file>
-
 <file path=customXml/item3.xml><?xml version="1.0" encoding="utf-8"?>
 <p:properties xmlns:p="http://schemas.microsoft.com/office/2006/metadata/properties" xmlns:xsi="http://www.w3.org/2001/XMLSchema-instance" xmlns:pc="http://schemas.microsoft.com/office/infopath/2007/PartnerControls">
   <documentManagement>
@@ -9754,6 +9781,14 @@
 </file>
 
 <file path=customXml/itemProps1.xml><?xml version="1.0" encoding="utf-8"?>
+<ds:datastoreItem xmlns:ds="http://schemas.openxmlformats.org/officeDocument/2006/customXml" ds:itemID="{C28223DC-4748-4F7F-8D8D-E4EA5A6C1882}">
+  <ds:schemaRefs>
+    <ds:schemaRef ds:uri="http://schemas.microsoft.com/sharepoint/v3/contenttype/forms"/>
+  </ds:schemaRefs>
+</ds:datastoreItem>
+</file>
+
+<file path=customXml/itemProps2.xml><?xml version="1.0" encoding="utf-8"?>
 <ds:datastoreItem xmlns:ds="http://schemas.openxmlformats.org/officeDocument/2006/customXml" ds:itemID="{1612D154-BCA4-47A9-881C-4EFB9658D8AB}">
   <ds:schemaRefs>
     <ds:schemaRef ds:uri="http://schemas.microsoft.com/office/2006/metadata/contentType"/>
@@ -9772,14 +9807,6 @@
 </ds:datastoreItem>
 </file>
 
-<file path=customXml/itemProps2.xml><?xml version="1.0" encoding="utf-8"?>
-<ds:datastoreItem xmlns:ds="http://schemas.openxmlformats.org/officeDocument/2006/customXml" ds:itemID="{C28223DC-4748-4F7F-8D8D-E4EA5A6C1882}">
-  <ds:schemaRefs>
-    <ds:schemaRef ds:uri="http://schemas.microsoft.com/sharepoint/v3/contenttype/forms"/>
-  </ds:schemaRefs>
-</ds:datastoreItem>
-</file>
-
 <file path=customXml/itemProps3.xml><?xml version="1.0" encoding="utf-8"?>
 <ds:datastoreItem xmlns:ds="http://schemas.openxmlformats.org/officeDocument/2006/customXml" ds:itemID="{1F4D5ADA-BB6C-46F4-9A97-3A3D44A9A8A6}">
   <ds:schemaRefs>

--- a/Project_1_Bitcoin Trading Strats.pptx
+++ b/Project_1_Bitcoin Trading Strats.pptx
@@ -6702,7 +6702,7 @@
         <p:spPr>
           <a:xfrm>
             <a:off x="5455228" y="2005531"/>
-            <a:ext cx="5725391" cy="3416320"/>
+            <a:ext cx="5725391" cy="3693319"/>
           </a:xfrm>
           <a:prstGeom prst="rect">
             <a:avLst/>
@@ -6762,7 +6762,7 @@
                   <a:schemeClr val="bg1"/>
                 </a:solidFill>
               </a:rPr>
-              <a:t>We can make more money trading bitcoin based on moving averages rather then just buying and holding</a:t>
+              <a:t>We can make more money trading bitcoin based on moving averages (simple technical indicators) rather then just buying and holding</a:t>
             </a:r>
           </a:p>
           <a:p>
@@ -9542,15 +9542,6 @@
 </file>
 
 <file path=customXml/item1.xml><?xml version="1.0" encoding="utf-8"?>
-<?mso-contentType ?>
-<FormTemplates xmlns="http://schemas.microsoft.com/sharepoint/v3/contenttype/forms">
-  <Display>DocumentLibraryForm</Display>
-  <Edit>DocumentLibraryForm</Edit>
-  <New>DocumentLibraryForm</New>
-</FormTemplates>
-</file>
-
-<file path=customXml/item2.xml><?xml version="1.0" encoding="utf-8"?>
 <ct:contentTypeSchema xmlns:ct="http://schemas.microsoft.com/office/2006/metadata/contentType" xmlns:ma="http://schemas.microsoft.com/office/2006/metadata/properties/metaAttributes" ct:_="" ma:_="" ma:contentTypeName="Document" ma:contentTypeID="0x01010079F111ED35F8CC479449609E8A0923A6" ma:contentTypeVersion="12" ma:contentTypeDescription="Create a new document." ma:contentTypeScope="" ma:versionID="93813dd7ca6ad654711aa0ab317e03a3">
   <xsd:schema xmlns:xsd="http://www.w3.org/2001/XMLSchema" xmlns:xs="http://www.w3.org/2001/XMLSchema" xmlns:p="http://schemas.microsoft.com/office/2006/metadata/properties" xmlns:ns2="71af3243-3dd4-4a8d-8c0d-dd76da1f02a5" xmlns:ns3="16c05727-aa75-4e4a-9b5f-8a80a1165891" targetNamespace="http://schemas.microsoft.com/office/2006/metadata/properties" ma:root="true" ma:fieldsID="f11dc0ce689dd3925e84e4e35398c6e7" ns2:_="" ns3:_="">
     <xsd:import namespace="71af3243-3dd4-4a8d-8c0d-dd76da1f02a5"/>
@@ -9771,6 +9762,15 @@
 </ct:contentTypeSchema>
 </file>
 
+<file path=customXml/item2.xml><?xml version="1.0" encoding="utf-8"?>
+<?mso-contentType ?>
+<FormTemplates xmlns="http://schemas.microsoft.com/sharepoint/v3/contenttype/forms">
+  <Display>DocumentLibraryForm</Display>
+  <Edit>DocumentLibraryForm</Edit>
+  <New>DocumentLibraryForm</New>
+</FormTemplates>
+</file>
+
 <file path=customXml/item3.xml><?xml version="1.0" encoding="utf-8"?>
 <p:properties xmlns:p="http://schemas.microsoft.com/office/2006/metadata/properties" xmlns:xsi="http://www.w3.org/2001/XMLSchema-instance" xmlns:pc="http://schemas.microsoft.com/office/infopath/2007/PartnerControls">
   <documentManagement>
@@ -9781,14 +9781,6 @@
 </file>
 
 <file path=customXml/itemProps1.xml><?xml version="1.0" encoding="utf-8"?>
-<ds:datastoreItem xmlns:ds="http://schemas.openxmlformats.org/officeDocument/2006/customXml" ds:itemID="{C28223DC-4748-4F7F-8D8D-E4EA5A6C1882}">
-  <ds:schemaRefs>
-    <ds:schemaRef ds:uri="http://schemas.microsoft.com/sharepoint/v3/contenttype/forms"/>
-  </ds:schemaRefs>
-</ds:datastoreItem>
-</file>
-
-<file path=customXml/itemProps2.xml><?xml version="1.0" encoding="utf-8"?>
 <ds:datastoreItem xmlns:ds="http://schemas.openxmlformats.org/officeDocument/2006/customXml" ds:itemID="{1612D154-BCA4-47A9-881C-4EFB9658D8AB}">
   <ds:schemaRefs>
     <ds:schemaRef ds:uri="http://schemas.microsoft.com/office/2006/metadata/contentType"/>
@@ -9807,6 +9799,14 @@
 </ds:datastoreItem>
 </file>
 
+<file path=customXml/itemProps2.xml><?xml version="1.0" encoding="utf-8"?>
+<ds:datastoreItem xmlns:ds="http://schemas.openxmlformats.org/officeDocument/2006/customXml" ds:itemID="{C28223DC-4748-4F7F-8D8D-E4EA5A6C1882}">
+  <ds:schemaRefs>
+    <ds:schemaRef ds:uri="http://schemas.microsoft.com/sharepoint/v3/contenttype/forms"/>
+  </ds:schemaRefs>
+</ds:datastoreItem>
+</file>
+
 <file path=customXml/itemProps3.xml><?xml version="1.0" encoding="utf-8"?>
 <ds:datastoreItem xmlns:ds="http://schemas.openxmlformats.org/officeDocument/2006/customXml" ds:itemID="{1F4D5ADA-BB6C-46F4-9A97-3A3D44A9A8A6}">
   <ds:schemaRefs>

--- a/Project_1_Bitcoin Trading Strats.pptx
+++ b/Project_1_Bitcoin Trading Strats.pptx
@@ -6702,7 +6702,7 @@
         <p:spPr>
           <a:xfrm>
             <a:off x="5455228" y="2005531"/>
-            <a:ext cx="5725391" cy="3693319"/>
+            <a:ext cx="5725391" cy="4247317"/>
           </a:xfrm>
           <a:prstGeom prst="rect">
             <a:avLst/>
@@ -6763,6 +6763,20 @@
                 </a:solidFill>
               </a:rPr>
               <a:t>We can make more money trading bitcoin based on moving averages (simple technical indicators) rather then just buying and holding</a:t>
+            </a:r>
+          </a:p>
+          <a:p>
+            <a:pPr marL="742950" lvl="1" indent="-285750">
+              <a:buFont typeface="Arial" panose="020B0604020202020204" pitchFamily="34" charset="0"/>
+              <a:buChar char="•"/>
+            </a:pPr>
+            <a:r>
+              <a:rPr lang="en-US" dirty="0">
+                <a:solidFill>
+                  <a:schemeClr val="bg1"/>
+                </a:solidFill>
+              </a:rPr>
+              <a:t>Bitcoin price moment is correlated to the stock market</a:t>
             </a:r>
           </a:p>
           <a:p>
@@ -9542,6 +9556,15 @@
 </file>
 
 <file path=customXml/item1.xml><?xml version="1.0" encoding="utf-8"?>
+<?mso-contentType ?>
+<FormTemplates xmlns="http://schemas.microsoft.com/sharepoint/v3/contenttype/forms">
+  <Display>DocumentLibraryForm</Display>
+  <Edit>DocumentLibraryForm</Edit>
+  <New>DocumentLibraryForm</New>
+</FormTemplates>
+</file>
+
+<file path=customXml/item2.xml><?xml version="1.0" encoding="utf-8"?>
 <ct:contentTypeSchema xmlns:ct="http://schemas.microsoft.com/office/2006/metadata/contentType" xmlns:ma="http://schemas.microsoft.com/office/2006/metadata/properties/metaAttributes" ct:_="" ma:_="" ma:contentTypeName="Document" ma:contentTypeID="0x01010079F111ED35F8CC479449609E8A0923A6" ma:contentTypeVersion="12" ma:contentTypeDescription="Create a new document." ma:contentTypeScope="" ma:versionID="93813dd7ca6ad654711aa0ab317e03a3">
   <xsd:schema xmlns:xsd="http://www.w3.org/2001/XMLSchema" xmlns:xs="http://www.w3.org/2001/XMLSchema" xmlns:p="http://schemas.microsoft.com/office/2006/metadata/properties" xmlns:ns2="71af3243-3dd4-4a8d-8c0d-dd76da1f02a5" xmlns:ns3="16c05727-aa75-4e4a-9b5f-8a80a1165891" targetNamespace="http://schemas.microsoft.com/office/2006/metadata/properties" ma:root="true" ma:fieldsID="f11dc0ce689dd3925e84e4e35398c6e7" ns2:_="" ns3:_="">
     <xsd:import namespace="71af3243-3dd4-4a8d-8c0d-dd76da1f02a5"/>
@@ -9762,15 +9785,6 @@
 </ct:contentTypeSchema>
 </file>
 
-<file path=customXml/item2.xml><?xml version="1.0" encoding="utf-8"?>
-<?mso-contentType ?>
-<FormTemplates xmlns="http://schemas.microsoft.com/sharepoint/v3/contenttype/forms">
-  <Display>DocumentLibraryForm</Display>
-  <Edit>DocumentLibraryForm</Edit>
-  <New>DocumentLibraryForm</New>
-</FormTemplates>
-</file>
-
 <file path=customXml/item3.xml><?xml version="1.0" encoding="utf-8"?>
 <p:properties xmlns:p="http://schemas.microsoft.com/office/2006/metadata/properties" xmlns:xsi="http://www.w3.org/2001/XMLSchema-instance" xmlns:pc="http://schemas.microsoft.com/office/infopath/2007/PartnerControls">
   <documentManagement>
@@ -9781,6 +9795,14 @@
 </file>
 
 <file path=customXml/itemProps1.xml><?xml version="1.0" encoding="utf-8"?>
+<ds:datastoreItem xmlns:ds="http://schemas.openxmlformats.org/officeDocument/2006/customXml" ds:itemID="{C28223DC-4748-4F7F-8D8D-E4EA5A6C1882}">
+  <ds:schemaRefs>
+    <ds:schemaRef ds:uri="http://schemas.microsoft.com/sharepoint/v3/contenttype/forms"/>
+  </ds:schemaRefs>
+</ds:datastoreItem>
+</file>
+
+<file path=customXml/itemProps2.xml><?xml version="1.0" encoding="utf-8"?>
 <ds:datastoreItem xmlns:ds="http://schemas.openxmlformats.org/officeDocument/2006/customXml" ds:itemID="{1612D154-BCA4-47A9-881C-4EFB9658D8AB}">
   <ds:schemaRefs>
     <ds:schemaRef ds:uri="http://schemas.microsoft.com/office/2006/metadata/contentType"/>
@@ -9799,14 +9821,6 @@
 </ds:datastoreItem>
 </file>
 
-<file path=customXml/itemProps2.xml><?xml version="1.0" encoding="utf-8"?>
-<ds:datastoreItem xmlns:ds="http://schemas.openxmlformats.org/officeDocument/2006/customXml" ds:itemID="{C28223DC-4748-4F7F-8D8D-E4EA5A6C1882}">
-  <ds:schemaRefs>
-    <ds:schemaRef ds:uri="http://schemas.microsoft.com/sharepoint/v3/contenttype/forms"/>
-  </ds:schemaRefs>
-</ds:datastoreItem>
-</file>
-
 <file path=customXml/itemProps3.xml><?xml version="1.0" encoding="utf-8"?>
 <ds:datastoreItem xmlns:ds="http://schemas.openxmlformats.org/officeDocument/2006/customXml" ds:itemID="{1F4D5ADA-BB6C-46F4-9A97-3A3D44A9A8A6}">
   <ds:schemaRefs>
